--- a/StudentGuideModule1/friction/normal_forces.pptx
+++ b/StudentGuideModule1/friction/normal_forces.pptx
@@ -154,10 +154,9 @@
           </a:lstStyle>
           <a:p>
             <a:r>
-              <a:rPr lang="en-US" smtClean="0"/>
+              <a:rPr lang="en-US"/>
               <a:t>Click to edit Master title style</a:t>
             </a:r>
-            <a:endParaRPr lang="en-US"/>
           </a:p>
         </p:txBody>
       </p:sp>
@@ -219,10 +218,9 @@
           </a:lstStyle>
           <a:p>
             <a:r>
-              <a:rPr lang="en-US" smtClean="0"/>
+              <a:rPr lang="en-US"/>
               <a:t>Click to edit Master subtitle style</a:t>
             </a:r>
-            <a:endParaRPr lang="en-US"/>
           </a:p>
         </p:txBody>
       </p:sp>
@@ -243,7 +241,7 @@
           <a:p>
             <a:fld id="{62726365-80EF-4A22-BD1B-8B7BA9D18AD5}" type="datetimeFigureOut">
               <a:rPr lang="en-US" smtClean="0"/>
-              <a:t>5/21/2016</a:t>
+              <a:t>7/23/2019</a:t>
             </a:fld>
             <a:endParaRPr lang="en-US"/>
           </a:p>
@@ -337,10 +335,9 @@
           <a:lstStyle/>
           <a:p>
             <a:r>
-              <a:rPr lang="en-US" smtClean="0"/>
+              <a:rPr lang="en-US"/>
               <a:t>Click to edit Master title style</a:t>
             </a:r>
-            <a:endParaRPr lang="en-US"/>
           </a:p>
         </p:txBody>
       </p:sp>
@@ -361,38 +358,37 @@
           <a:p>
             <a:pPr lvl="0"/>
             <a:r>
-              <a:rPr lang="en-US" smtClean="0"/>
+              <a:rPr lang="en-US"/>
               <a:t>Edit Master text styles</a:t>
             </a:r>
           </a:p>
           <a:p>
             <a:pPr lvl="1"/>
             <a:r>
-              <a:rPr lang="en-US" smtClean="0"/>
+              <a:rPr lang="en-US"/>
               <a:t>Second level</a:t>
             </a:r>
           </a:p>
           <a:p>
             <a:pPr lvl="2"/>
             <a:r>
-              <a:rPr lang="en-US" smtClean="0"/>
+              <a:rPr lang="en-US"/>
               <a:t>Third level</a:t>
             </a:r>
           </a:p>
           <a:p>
             <a:pPr lvl="3"/>
             <a:r>
-              <a:rPr lang="en-US" smtClean="0"/>
+              <a:rPr lang="en-US"/>
               <a:t>Fourth level</a:t>
             </a:r>
           </a:p>
           <a:p>
             <a:pPr lvl="4"/>
             <a:r>
-              <a:rPr lang="en-US" smtClean="0"/>
+              <a:rPr lang="en-US"/>
               <a:t>Fifth level</a:t>
             </a:r>
-            <a:endParaRPr lang="en-US"/>
           </a:p>
         </p:txBody>
       </p:sp>
@@ -413,7 +409,7 @@
           <a:p>
             <a:fld id="{62726365-80EF-4A22-BD1B-8B7BA9D18AD5}" type="datetimeFigureOut">
               <a:rPr lang="en-US" smtClean="0"/>
-              <a:t>5/21/2016</a:t>
+              <a:t>7/23/2019</a:t>
             </a:fld>
             <a:endParaRPr lang="en-US"/>
           </a:p>
@@ -512,10 +508,9 @@
           <a:lstStyle/>
           <a:p>
             <a:r>
-              <a:rPr lang="en-US" smtClean="0"/>
+              <a:rPr lang="en-US"/>
               <a:t>Click to edit Master title style</a:t>
             </a:r>
-            <a:endParaRPr lang="en-US"/>
           </a:p>
         </p:txBody>
       </p:sp>
@@ -541,38 +536,37 @@
           <a:p>
             <a:pPr lvl="0"/>
             <a:r>
-              <a:rPr lang="en-US" smtClean="0"/>
+              <a:rPr lang="en-US"/>
               <a:t>Edit Master text styles</a:t>
             </a:r>
           </a:p>
           <a:p>
             <a:pPr lvl="1"/>
             <a:r>
-              <a:rPr lang="en-US" smtClean="0"/>
+              <a:rPr lang="en-US"/>
               <a:t>Second level</a:t>
             </a:r>
           </a:p>
           <a:p>
             <a:pPr lvl="2"/>
             <a:r>
-              <a:rPr lang="en-US" smtClean="0"/>
+              <a:rPr lang="en-US"/>
               <a:t>Third level</a:t>
             </a:r>
           </a:p>
           <a:p>
             <a:pPr lvl="3"/>
             <a:r>
-              <a:rPr lang="en-US" smtClean="0"/>
+              <a:rPr lang="en-US"/>
               <a:t>Fourth level</a:t>
             </a:r>
           </a:p>
           <a:p>
             <a:pPr lvl="4"/>
             <a:r>
-              <a:rPr lang="en-US" smtClean="0"/>
+              <a:rPr lang="en-US"/>
               <a:t>Fifth level</a:t>
             </a:r>
-            <a:endParaRPr lang="en-US"/>
           </a:p>
         </p:txBody>
       </p:sp>
@@ -593,7 +587,7 @@
           <a:p>
             <a:fld id="{62726365-80EF-4A22-BD1B-8B7BA9D18AD5}" type="datetimeFigureOut">
               <a:rPr lang="en-US" smtClean="0"/>
-              <a:t>5/21/2016</a:t>
+              <a:t>7/23/2019</a:t>
             </a:fld>
             <a:endParaRPr lang="en-US"/>
           </a:p>
@@ -687,10 +681,9 @@
           <a:lstStyle/>
           <a:p>
             <a:r>
-              <a:rPr lang="en-US" smtClean="0"/>
+              <a:rPr lang="en-US"/>
               <a:t>Click to edit Master title style</a:t>
             </a:r>
-            <a:endParaRPr lang="en-US"/>
           </a:p>
         </p:txBody>
       </p:sp>
@@ -711,38 +704,37 @@
           <a:p>
             <a:pPr lvl="0"/>
             <a:r>
-              <a:rPr lang="en-US" smtClean="0"/>
+              <a:rPr lang="en-US"/>
               <a:t>Edit Master text styles</a:t>
             </a:r>
           </a:p>
           <a:p>
             <a:pPr lvl="1"/>
             <a:r>
-              <a:rPr lang="en-US" smtClean="0"/>
+              <a:rPr lang="en-US"/>
               <a:t>Second level</a:t>
             </a:r>
           </a:p>
           <a:p>
             <a:pPr lvl="2"/>
             <a:r>
-              <a:rPr lang="en-US" smtClean="0"/>
+              <a:rPr lang="en-US"/>
               <a:t>Third level</a:t>
             </a:r>
           </a:p>
           <a:p>
             <a:pPr lvl="3"/>
             <a:r>
-              <a:rPr lang="en-US" smtClean="0"/>
+              <a:rPr lang="en-US"/>
               <a:t>Fourth level</a:t>
             </a:r>
           </a:p>
           <a:p>
             <a:pPr lvl="4"/>
             <a:r>
-              <a:rPr lang="en-US" smtClean="0"/>
+              <a:rPr lang="en-US"/>
               <a:t>Fifth level</a:t>
             </a:r>
-            <a:endParaRPr lang="en-US"/>
           </a:p>
         </p:txBody>
       </p:sp>
@@ -763,7 +755,7 @@
           <a:p>
             <a:fld id="{62726365-80EF-4A22-BD1B-8B7BA9D18AD5}" type="datetimeFigureOut">
               <a:rPr lang="en-US" smtClean="0"/>
-              <a:t>5/21/2016</a:t>
+              <a:t>7/23/2019</a:t>
             </a:fld>
             <a:endParaRPr lang="en-US"/>
           </a:p>
@@ -866,10 +858,9 @@
           </a:lstStyle>
           <a:p>
             <a:r>
-              <a:rPr lang="en-US" smtClean="0"/>
+              <a:rPr lang="en-US"/>
               <a:t>Click to edit Master title style</a:t>
             </a:r>
-            <a:endParaRPr lang="en-US"/>
           </a:p>
         </p:txBody>
       </p:sp>
@@ -986,7 +977,7 @@
           <a:p>
             <a:pPr lvl="0"/>
             <a:r>
-              <a:rPr lang="en-US" smtClean="0"/>
+              <a:rPr lang="en-US"/>
               <a:t>Edit Master text styles</a:t>
             </a:r>
           </a:p>
@@ -1009,7 +1000,7 @@
           <a:p>
             <a:fld id="{62726365-80EF-4A22-BD1B-8B7BA9D18AD5}" type="datetimeFigureOut">
               <a:rPr lang="en-US" smtClean="0"/>
-              <a:t>5/21/2016</a:t>
+              <a:t>7/23/2019</a:t>
             </a:fld>
             <a:endParaRPr lang="en-US"/>
           </a:p>
@@ -1103,10 +1094,9 @@
           <a:lstStyle/>
           <a:p>
             <a:r>
-              <a:rPr lang="en-US" smtClean="0"/>
+              <a:rPr lang="en-US"/>
               <a:t>Click to edit Master title style</a:t>
             </a:r>
-            <a:endParaRPr lang="en-US"/>
           </a:p>
         </p:txBody>
       </p:sp>
@@ -1132,38 +1122,37 @@
           <a:p>
             <a:pPr lvl="0"/>
             <a:r>
-              <a:rPr lang="en-US" smtClean="0"/>
+              <a:rPr lang="en-US"/>
               <a:t>Edit Master text styles</a:t>
             </a:r>
           </a:p>
           <a:p>
             <a:pPr lvl="1"/>
             <a:r>
-              <a:rPr lang="en-US" smtClean="0"/>
+              <a:rPr lang="en-US"/>
               <a:t>Second level</a:t>
             </a:r>
           </a:p>
           <a:p>
             <a:pPr lvl="2"/>
             <a:r>
-              <a:rPr lang="en-US" smtClean="0"/>
+              <a:rPr lang="en-US"/>
               <a:t>Third level</a:t>
             </a:r>
           </a:p>
           <a:p>
             <a:pPr lvl="3"/>
             <a:r>
-              <a:rPr lang="en-US" smtClean="0"/>
+              <a:rPr lang="en-US"/>
               <a:t>Fourth level</a:t>
             </a:r>
           </a:p>
           <a:p>
             <a:pPr lvl="4"/>
             <a:r>
-              <a:rPr lang="en-US" smtClean="0"/>
+              <a:rPr lang="en-US"/>
               <a:t>Fifth level</a:t>
             </a:r>
-            <a:endParaRPr lang="en-US"/>
           </a:p>
         </p:txBody>
       </p:sp>
@@ -1189,38 +1178,37 @@
           <a:p>
             <a:pPr lvl="0"/>
             <a:r>
-              <a:rPr lang="en-US" smtClean="0"/>
+              <a:rPr lang="en-US"/>
               <a:t>Edit Master text styles</a:t>
             </a:r>
           </a:p>
           <a:p>
             <a:pPr lvl="1"/>
             <a:r>
-              <a:rPr lang="en-US" smtClean="0"/>
+              <a:rPr lang="en-US"/>
               <a:t>Second level</a:t>
             </a:r>
           </a:p>
           <a:p>
             <a:pPr lvl="2"/>
             <a:r>
-              <a:rPr lang="en-US" smtClean="0"/>
+              <a:rPr lang="en-US"/>
               <a:t>Third level</a:t>
             </a:r>
           </a:p>
           <a:p>
             <a:pPr lvl="3"/>
             <a:r>
-              <a:rPr lang="en-US" smtClean="0"/>
+              <a:rPr lang="en-US"/>
               <a:t>Fourth level</a:t>
             </a:r>
           </a:p>
           <a:p>
             <a:pPr lvl="4"/>
             <a:r>
-              <a:rPr lang="en-US" smtClean="0"/>
+              <a:rPr lang="en-US"/>
               <a:t>Fifth level</a:t>
             </a:r>
-            <a:endParaRPr lang="en-US"/>
           </a:p>
         </p:txBody>
       </p:sp>
@@ -1241,7 +1229,7 @@
           <a:p>
             <a:fld id="{62726365-80EF-4A22-BD1B-8B7BA9D18AD5}" type="datetimeFigureOut">
               <a:rPr lang="en-US" smtClean="0"/>
-              <a:t>5/21/2016</a:t>
+              <a:t>7/23/2019</a:t>
             </a:fld>
             <a:endParaRPr lang="en-US"/>
           </a:p>
@@ -1340,10 +1328,9 @@
           <a:lstStyle/>
           <a:p>
             <a:r>
-              <a:rPr lang="en-US" smtClean="0"/>
+              <a:rPr lang="en-US"/>
               <a:t>Click to edit Master title style</a:t>
             </a:r>
-            <a:endParaRPr lang="en-US"/>
           </a:p>
         </p:txBody>
       </p:sp>
@@ -1406,7 +1393,7 @@
           <a:p>
             <a:pPr lvl="0"/>
             <a:r>
-              <a:rPr lang="en-US" smtClean="0"/>
+              <a:rPr lang="en-US"/>
               <a:t>Edit Master text styles</a:t>
             </a:r>
           </a:p>
@@ -1434,38 +1421,37 @@
           <a:p>
             <a:pPr lvl="0"/>
             <a:r>
-              <a:rPr lang="en-US" smtClean="0"/>
+              <a:rPr lang="en-US"/>
               <a:t>Edit Master text styles</a:t>
             </a:r>
           </a:p>
           <a:p>
             <a:pPr lvl="1"/>
             <a:r>
-              <a:rPr lang="en-US" smtClean="0"/>
+              <a:rPr lang="en-US"/>
               <a:t>Second level</a:t>
             </a:r>
           </a:p>
           <a:p>
             <a:pPr lvl="2"/>
             <a:r>
-              <a:rPr lang="en-US" smtClean="0"/>
+              <a:rPr lang="en-US"/>
               <a:t>Third level</a:t>
             </a:r>
           </a:p>
           <a:p>
             <a:pPr lvl="3"/>
             <a:r>
-              <a:rPr lang="en-US" smtClean="0"/>
+              <a:rPr lang="en-US"/>
               <a:t>Fourth level</a:t>
             </a:r>
           </a:p>
           <a:p>
             <a:pPr lvl="4"/>
             <a:r>
-              <a:rPr lang="en-US" smtClean="0"/>
+              <a:rPr lang="en-US"/>
               <a:t>Fifth level</a:t>
             </a:r>
-            <a:endParaRPr lang="en-US"/>
           </a:p>
         </p:txBody>
       </p:sp>
@@ -1528,7 +1514,7 @@
           <a:p>
             <a:pPr lvl="0"/>
             <a:r>
-              <a:rPr lang="en-US" smtClean="0"/>
+              <a:rPr lang="en-US"/>
               <a:t>Edit Master text styles</a:t>
             </a:r>
           </a:p>
@@ -1556,38 +1542,37 @@
           <a:p>
             <a:pPr lvl="0"/>
             <a:r>
-              <a:rPr lang="en-US" smtClean="0"/>
+              <a:rPr lang="en-US"/>
               <a:t>Edit Master text styles</a:t>
             </a:r>
           </a:p>
           <a:p>
             <a:pPr lvl="1"/>
             <a:r>
-              <a:rPr lang="en-US" smtClean="0"/>
+              <a:rPr lang="en-US"/>
               <a:t>Second level</a:t>
             </a:r>
           </a:p>
           <a:p>
             <a:pPr lvl="2"/>
             <a:r>
-              <a:rPr lang="en-US" smtClean="0"/>
+              <a:rPr lang="en-US"/>
               <a:t>Third level</a:t>
             </a:r>
           </a:p>
           <a:p>
             <a:pPr lvl="3"/>
             <a:r>
-              <a:rPr lang="en-US" smtClean="0"/>
+              <a:rPr lang="en-US"/>
               <a:t>Fourth level</a:t>
             </a:r>
           </a:p>
           <a:p>
             <a:pPr lvl="4"/>
             <a:r>
-              <a:rPr lang="en-US" smtClean="0"/>
+              <a:rPr lang="en-US"/>
               <a:t>Fifth level</a:t>
             </a:r>
-            <a:endParaRPr lang="en-US"/>
           </a:p>
         </p:txBody>
       </p:sp>
@@ -1608,7 +1593,7 @@
           <a:p>
             <a:fld id="{62726365-80EF-4A22-BD1B-8B7BA9D18AD5}" type="datetimeFigureOut">
               <a:rPr lang="en-US" smtClean="0"/>
-              <a:t>5/21/2016</a:t>
+              <a:t>7/23/2019</a:t>
             </a:fld>
             <a:endParaRPr lang="en-US"/>
           </a:p>
@@ -1702,10 +1687,9 @@
           <a:lstStyle/>
           <a:p>
             <a:r>
-              <a:rPr lang="en-US" smtClean="0"/>
+              <a:rPr lang="en-US"/>
               <a:t>Click to edit Master title style</a:t>
             </a:r>
-            <a:endParaRPr lang="en-US"/>
           </a:p>
         </p:txBody>
       </p:sp>
@@ -1726,7 +1710,7 @@
           <a:p>
             <a:fld id="{62726365-80EF-4A22-BD1B-8B7BA9D18AD5}" type="datetimeFigureOut">
               <a:rPr lang="en-US" smtClean="0"/>
-              <a:t>5/21/2016</a:t>
+              <a:t>7/23/2019</a:t>
             </a:fld>
             <a:endParaRPr lang="en-US"/>
           </a:p>
@@ -1821,7 +1805,7 @@
           <a:p>
             <a:fld id="{62726365-80EF-4A22-BD1B-8B7BA9D18AD5}" type="datetimeFigureOut">
               <a:rPr lang="en-US" smtClean="0"/>
-              <a:t>5/21/2016</a:t>
+              <a:t>7/23/2019</a:t>
             </a:fld>
             <a:endParaRPr lang="en-US"/>
           </a:p>
@@ -1924,10 +1908,9 @@
           </a:lstStyle>
           <a:p>
             <a:r>
-              <a:rPr lang="en-US" smtClean="0"/>
+              <a:rPr lang="en-US"/>
               <a:t>Click to edit Master title style</a:t>
             </a:r>
-            <a:endParaRPr lang="en-US"/>
           </a:p>
         </p:txBody>
       </p:sp>
@@ -1981,38 +1964,37 @@
           <a:p>
             <a:pPr lvl="0"/>
             <a:r>
-              <a:rPr lang="en-US" smtClean="0"/>
+              <a:rPr lang="en-US"/>
               <a:t>Edit Master text styles</a:t>
             </a:r>
           </a:p>
           <a:p>
             <a:pPr lvl="1"/>
             <a:r>
-              <a:rPr lang="en-US" smtClean="0"/>
+              <a:rPr lang="en-US"/>
               <a:t>Second level</a:t>
             </a:r>
           </a:p>
           <a:p>
             <a:pPr lvl="2"/>
             <a:r>
-              <a:rPr lang="en-US" smtClean="0"/>
+              <a:rPr lang="en-US"/>
               <a:t>Third level</a:t>
             </a:r>
           </a:p>
           <a:p>
             <a:pPr lvl="3"/>
             <a:r>
-              <a:rPr lang="en-US" smtClean="0"/>
+              <a:rPr lang="en-US"/>
               <a:t>Fourth level</a:t>
             </a:r>
           </a:p>
           <a:p>
             <a:pPr lvl="4"/>
             <a:r>
-              <a:rPr lang="en-US" smtClean="0"/>
+              <a:rPr lang="en-US"/>
               <a:t>Fifth level</a:t>
             </a:r>
-            <a:endParaRPr lang="en-US"/>
           </a:p>
         </p:txBody>
       </p:sp>
@@ -2075,7 +2057,7 @@
           <a:p>
             <a:pPr lvl="0"/>
             <a:r>
-              <a:rPr lang="en-US" smtClean="0"/>
+              <a:rPr lang="en-US"/>
               <a:t>Edit Master text styles</a:t>
             </a:r>
           </a:p>
@@ -2098,7 +2080,7 @@
           <a:p>
             <a:fld id="{62726365-80EF-4A22-BD1B-8B7BA9D18AD5}" type="datetimeFigureOut">
               <a:rPr lang="en-US" smtClean="0"/>
-              <a:t>5/21/2016</a:t>
+              <a:t>7/23/2019</a:t>
             </a:fld>
             <a:endParaRPr lang="en-US"/>
           </a:p>
@@ -2201,10 +2183,9 @@
           </a:lstStyle>
           <a:p>
             <a:r>
-              <a:rPr lang="en-US" smtClean="0"/>
+              <a:rPr lang="en-US"/>
               <a:t>Click to edit Master title style</a:t>
             </a:r>
-            <a:endParaRPr lang="en-US"/>
           </a:p>
         </p:txBody>
       </p:sp>
@@ -2328,7 +2309,7 @@
           <a:p>
             <a:pPr lvl="0"/>
             <a:r>
-              <a:rPr lang="en-US" smtClean="0"/>
+              <a:rPr lang="en-US"/>
               <a:t>Edit Master text styles</a:t>
             </a:r>
           </a:p>
@@ -2351,7 +2332,7 @@
           <a:p>
             <a:fld id="{62726365-80EF-4A22-BD1B-8B7BA9D18AD5}" type="datetimeFigureOut">
               <a:rPr lang="en-US" smtClean="0"/>
-              <a:t>5/21/2016</a:t>
+              <a:t>7/23/2019</a:t>
             </a:fld>
             <a:endParaRPr lang="en-US"/>
           </a:p>
@@ -2460,10 +2441,9 @@
           <a:lstStyle/>
           <a:p>
             <a:r>
-              <a:rPr lang="en-US" smtClean="0"/>
+              <a:rPr lang="en-US"/>
               <a:t>Click to edit Master title style</a:t>
             </a:r>
-            <a:endParaRPr lang="en-US"/>
           </a:p>
         </p:txBody>
       </p:sp>
@@ -2494,38 +2474,37 @@
           <a:p>
             <a:pPr lvl="0"/>
             <a:r>
-              <a:rPr lang="en-US" smtClean="0"/>
+              <a:rPr lang="en-US"/>
               <a:t>Edit Master text styles</a:t>
             </a:r>
           </a:p>
           <a:p>
             <a:pPr lvl="1"/>
             <a:r>
-              <a:rPr lang="en-US" smtClean="0"/>
+              <a:rPr lang="en-US"/>
               <a:t>Second level</a:t>
             </a:r>
           </a:p>
           <a:p>
             <a:pPr lvl="2"/>
             <a:r>
-              <a:rPr lang="en-US" smtClean="0"/>
+              <a:rPr lang="en-US"/>
               <a:t>Third level</a:t>
             </a:r>
           </a:p>
           <a:p>
             <a:pPr lvl="3"/>
             <a:r>
-              <a:rPr lang="en-US" smtClean="0"/>
+              <a:rPr lang="en-US"/>
               <a:t>Fourth level</a:t>
             </a:r>
           </a:p>
           <a:p>
             <a:pPr lvl="4"/>
             <a:r>
-              <a:rPr lang="en-US" smtClean="0"/>
+              <a:rPr lang="en-US"/>
               <a:t>Fifth level</a:t>
             </a:r>
-            <a:endParaRPr lang="en-US"/>
           </a:p>
         </p:txBody>
       </p:sp>
@@ -2564,7 +2543,7 @@
           <a:p>
             <a:fld id="{62726365-80EF-4A22-BD1B-8B7BA9D18AD5}" type="datetimeFigureOut">
               <a:rPr lang="en-US" smtClean="0"/>
-              <a:t>5/21/2016</a:t>
+              <a:t>7/23/2019</a:t>
             </a:fld>
             <a:endParaRPr lang="en-US"/>
           </a:p>
@@ -3038,10 +3017,12 @@
           <a:lstStyle/>
           <a:p>
             <a:r>
-              <a:rPr lang="en-US" sz="1050" dirty="0" smtClean="0"/>
+              <a:rPr lang="en-US" sz="1050" dirty="0">
+                <a:latin typeface="Times New Roman" panose="02020603050405020304" pitchFamily="18" charset="0"/>
+                <a:cs typeface="Times New Roman" panose="02020603050405020304" pitchFamily="18" charset="0"/>
+              </a:rPr>
               <a:t>lots of little support forces</a:t>
             </a:r>
-            <a:endParaRPr lang="en-US" sz="1050" dirty="0"/>
           </a:p>
         </p:txBody>
       </p:sp>
@@ -3150,8 +3131,8 @@
           </p:style>
         </p:cxnSp>
       </p:grpSp>
-      <mc:AlternateContent xmlns:mc="http://schemas.openxmlformats.org/markup-compatibility/2006">
-        <mc:Choice xmlns:a14="http://schemas.microsoft.com/office/drawing/2010/main" Requires="a14">
+      <mc:AlternateContent xmlns:mc="http://schemas.openxmlformats.org/markup-compatibility/2006" xmlns:a14="http://schemas.microsoft.com/office/drawing/2010/main">
+        <mc:Choice Requires="a14">
           <p:sp>
             <p:nvSpPr>
               <p:cNvPr id="19" name="TextBox 18"/>
@@ -3161,7 +3142,7 @@
             <p:spPr>
               <a:xfrm>
                 <a:off x="6698686" y="2628053"/>
-                <a:ext cx="283405" cy="299441"/>
+                <a:ext cx="283405" cy="276999"/>
               </a:xfrm>
               <a:prstGeom prst="rect">
                 <a:avLst/>
@@ -3195,7 +3176,7 @@
                             <a:rPr lang="en-US" sz="1200" b="0" i="1" smtClean="0">
                               <a:latin typeface="Cambria Math" panose="02040503050406030204" pitchFamily="18" charset="0"/>
                             </a:rPr>
-                            <m:t>𝑁</m:t>
+                            <m:t>𝑛</m:t>
                           </m:r>
                         </m:e>
                       </m:acc>
@@ -3207,7 +3188,7 @@
             </p:txBody>
           </p:sp>
         </mc:Choice>
-        <mc:Fallback>
+        <mc:Fallback xmlns="">
           <p:sp>
             <p:nvSpPr>
               <p:cNvPr id="19" name="TextBox 18"/>
@@ -3219,7 +3200,7 @@
             <p:spPr>
               <a:xfrm>
                 <a:off x="6698686" y="2628053"/>
-                <a:ext cx="283405" cy="299441"/>
+                <a:ext cx="283405" cy="276999"/>
               </a:xfrm>
               <a:prstGeom prst="rect">
                 <a:avLst/>
@@ -3605,13 +3586,6 @@
   <p:clrMapOvr>
     <a:masterClrMapping/>
   </p:clrMapOvr>
-  <p:timing>
-    <p:tnLst>
-      <p:par>
-        <p:cTn id="1" dur="indefinite" restart="never" nodeType="tmRoot"/>
-      </p:par>
-    </p:tnLst>
-  </p:timing>
 </p:sld>
 </file>
 

--- a/StudentGuideModule1/friction/normal_forces.pptx
+++ b/StudentGuideModule1/friction/normal_forces.pptx
@@ -241,7 +241,7 @@
           <a:p>
             <a:fld id="{62726365-80EF-4A22-BD1B-8B7BA9D18AD5}" type="datetimeFigureOut">
               <a:rPr lang="en-US" smtClean="0"/>
-              <a:t>7/23/2019</a:t>
+              <a:t>7/24/2019</a:t>
             </a:fld>
             <a:endParaRPr lang="en-US"/>
           </a:p>
@@ -409,7 +409,7 @@
           <a:p>
             <a:fld id="{62726365-80EF-4A22-BD1B-8B7BA9D18AD5}" type="datetimeFigureOut">
               <a:rPr lang="en-US" smtClean="0"/>
-              <a:t>7/23/2019</a:t>
+              <a:t>7/24/2019</a:t>
             </a:fld>
             <a:endParaRPr lang="en-US"/>
           </a:p>
@@ -587,7 +587,7 @@
           <a:p>
             <a:fld id="{62726365-80EF-4A22-BD1B-8B7BA9D18AD5}" type="datetimeFigureOut">
               <a:rPr lang="en-US" smtClean="0"/>
-              <a:t>7/23/2019</a:t>
+              <a:t>7/24/2019</a:t>
             </a:fld>
             <a:endParaRPr lang="en-US"/>
           </a:p>
@@ -755,7 +755,7 @@
           <a:p>
             <a:fld id="{62726365-80EF-4A22-BD1B-8B7BA9D18AD5}" type="datetimeFigureOut">
               <a:rPr lang="en-US" smtClean="0"/>
-              <a:t>7/23/2019</a:t>
+              <a:t>7/24/2019</a:t>
             </a:fld>
             <a:endParaRPr lang="en-US"/>
           </a:p>
@@ -1000,7 +1000,7 @@
           <a:p>
             <a:fld id="{62726365-80EF-4A22-BD1B-8B7BA9D18AD5}" type="datetimeFigureOut">
               <a:rPr lang="en-US" smtClean="0"/>
-              <a:t>7/23/2019</a:t>
+              <a:t>7/24/2019</a:t>
             </a:fld>
             <a:endParaRPr lang="en-US"/>
           </a:p>
@@ -1229,7 +1229,7 @@
           <a:p>
             <a:fld id="{62726365-80EF-4A22-BD1B-8B7BA9D18AD5}" type="datetimeFigureOut">
               <a:rPr lang="en-US" smtClean="0"/>
-              <a:t>7/23/2019</a:t>
+              <a:t>7/24/2019</a:t>
             </a:fld>
             <a:endParaRPr lang="en-US"/>
           </a:p>
@@ -1593,7 +1593,7 @@
           <a:p>
             <a:fld id="{62726365-80EF-4A22-BD1B-8B7BA9D18AD5}" type="datetimeFigureOut">
               <a:rPr lang="en-US" smtClean="0"/>
-              <a:t>7/23/2019</a:t>
+              <a:t>7/24/2019</a:t>
             </a:fld>
             <a:endParaRPr lang="en-US"/>
           </a:p>
@@ -1710,7 +1710,7 @@
           <a:p>
             <a:fld id="{62726365-80EF-4A22-BD1B-8B7BA9D18AD5}" type="datetimeFigureOut">
               <a:rPr lang="en-US" smtClean="0"/>
-              <a:t>7/23/2019</a:t>
+              <a:t>7/24/2019</a:t>
             </a:fld>
             <a:endParaRPr lang="en-US"/>
           </a:p>
@@ -1805,7 +1805,7 @@
           <a:p>
             <a:fld id="{62726365-80EF-4A22-BD1B-8B7BA9D18AD5}" type="datetimeFigureOut">
               <a:rPr lang="en-US" smtClean="0"/>
-              <a:t>7/23/2019</a:t>
+              <a:t>7/24/2019</a:t>
             </a:fld>
             <a:endParaRPr lang="en-US"/>
           </a:p>
@@ -2080,7 +2080,7 @@
           <a:p>
             <a:fld id="{62726365-80EF-4A22-BD1B-8B7BA9D18AD5}" type="datetimeFigureOut">
               <a:rPr lang="en-US" smtClean="0"/>
-              <a:t>7/23/2019</a:t>
+              <a:t>7/24/2019</a:t>
             </a:fld>
             <a:endParaRPr lang="en-US"/>
           </a:p>
@@ -2332,7 +2332,7 @@
           <a:p>
             <a:fld id="{62726365-80EF-4A22-BD1B-8B7BA9D18AD5}" type="datetimeFigureOut">
               <a:rPr lang="en-US" smtClean="0"/>
-              <a:t>7/23/2019</a:t>
+              <a:t>7/24/2019</a:t>
             </a:fld>
             <a:endParaRPr lang="en-US"/>
           </a:p>
@@ -2543,7 +2543,7 @@
           <a:p>
             <a:fld id="{62726365-80EF-4A22-BD1B-8B7BA9D18AD5}" type="datetimeFigureOut">
               <a:rPr lang="en-US" smtClean="0"/>
-              <a:t>7/23/2019</a:t>
+              <a:t>7/24/2019</a:t>
             </a:fld>
             <a:endParaRPr lang="en-US"/>
           </a:p>
@@ -3018,7 +3018,6 @@
           <a:p>
             <a:r>
               <a:rPr lang="en-US" sz="1050" dirty="0">
-                <a:latin typeface="Times New Roman" panose="02020603050405020304" pitchFamily="18" charset="0"/>
                 <a:cs typeface="Times New Roman" panose="02020603050405020304" pitchFamily="18" charset="0"/>
               </a:rPr>
               <a:t>lots of little support forces</a:t>
